--- a/Checkpoint1-slides.pptx
+++ b/Checkpoint1-slides.pptx
@@ -120,8 +120,7 @@
 <file path=ppt/revisionInfo.xml><?xml version="1.0" encoding="utf-8"?>
 <p1510:revInfo xmlns:a="http://schemas.openxmlformats.org/drawingml/2006/main" xmlns:r="http://schemas.openxmlformats.org/officeDocument/2006/relationships" xmlns:p1510="http://schemas.microsoft.com/office/powerpoint/2015/10/main">
   <p1510:revLst>
-    <p1510:client id="{0773CFEA-2A43-D781-74C1-323E492DA290}" v="146" dt="2024-10-22T06:37:46.866"/>
-    <p1510:client id="{EC9AF519-1CB9-4F8F-A6B4-CCD841214EBF}" v="55" dt="2024-10-22T06:39:16.186"/>
+    <p1510:client id="{C2CDB20F-8D25-8D12-F8F4-00CE0B5ED9CA}" v="31" dt="2024-10-29T02:10:42.399"/>
   </p1510:revLst>
 </p1510:revInfo>
 </file>
@@ -277,7 +276,7 @@
           <a:p>
             <a:fld id="{F2EE3B7B-C7B5-42CF-90CF-67B3D21B2314}" type="datetimeFigureOut">
               <a:rPr lang="en-US" dirty="0"/>
-              <a:t>10/21/2024</a:t>
+              <a:t>10/28/2024</a:t>
             </a:fld>
             <a:endParaRPr lang="en-US"/>
           </a:p>
@@ -505,7 +504,7 @@
           <a:p>
             <a:fld id="{6BAD9902-F134-45BD-ABD2-80C28059B090}" type="datetimeFigureOut">
               <a:rPr lang="en-US" dirty="0"/>
-              <a:t>10/21/2024</a:t>
+              <a:t>10/28/2024</a:t>
             </a:fld>
             <a:endParaRPr lang="en-US"/>
           </a:p>
@@ -717,7 +716,7 @@
           <a:p>
             <a:fld id="{C2B04DB0-379A-41B7-9B29-7F42F0D571D5}" type="datetimeFigureOut">
               <a:rPr lang="en-US" dirty="0"/>
-              <a:t>10/21/2024</a:t>
+              <a:t>10/28/2024</a:t>
             </a:fld>
             <a:endParaRPr lang="en-US"/>
           </a:p>
@@ -919,7 +918,7 @@
           <a:p>
             <a:fld id="{0F996519-E62D-4F8C-AE1E-36928EC7D15C}" type="datetimeFigureOut">
               <a:rPr lang="en-US" dirty="0"/>
-              <a:t>10/21/2024</a:t>
+              <a:t>10/28/2024</a:t>
             </a:fld>
             <a:endParaRPr lang="en-US"/>
           </a:p>
@@ -1218,7 +1217,7 @@
           <a:p>
             <a:fld id="{6477AEB6-FCE1-4CD5-923B-84E54F1460D5}" type="datetimeFigureOut">
               <a:rPr lang="en-US" dirty="0"/>
-              <a:t>10/21/2024</a:t>
+              <a:t>10/28/2024</a:t>
             </a:fld>
             <a:endParaRPr lang="en-US"/>
           </a:p>
@@ -1528,7 +1527,7 @@
           <a:p>
             <a:fld id="{96374C2F-71A1-43C9-B2F6-A4FAC8157F1A}" type="datetimeFigureOut">
               <a:rPr lang="en-US" dirty="0"/>
-              <a:t>10/21/2024</a:t>
+              <a:t>10/28/2024</a:t>
             </a:fld>
             <a:endParaRPr lang="en-US"/>
           </a:p>
@@ -1948,7 +1947,7 @@
           <a:p>
             <a:fld id="{AD631DCC-9916-4BB7-A2E9-25EC84C740A7}" type="datetimeFigureOut">
               <a:rPr lang="en-US" dirty="0"/>
-              <a:t>10/21/2024</a:t>
+              <a:t>10/28/2024</a:t>
             </a:fld>
             <a:endParaRPr lang="en-US"/>
           </a:p>
@@ -2098,7 +2097,7 @@
           <a:p>
             <a:fld id="{AF59146A-335D-4B7F-86AE-5D483B1F631C}" type="datetimeFigureOut">
               <a:rPr lang="en-US" dirty="0"/>
-              <a:t>10/21/2024</a:t>
+              <a:t>10/28/2024</a:t>
             </a:fld>
             <a:endParaRPr lang="en-US"/>
           </a:p>
@@ -2215,7 +2214,7 @@
           <a:p>
             <a:fld id="{DD71D8EC-8E17-4CE6-99C2-C22488572868}" type="datetimeFigureOut">
               <a:rPr lang="en-US" dirty="0"/>
-              <a:t>10/21/2024</a:t>
+              <a:t>10/28/2024</a:t>
             </a:fld>
             <a:endParaRPr lang="en-US"/>
           </a:p>
@@ -2530,7 +2529,7 @@
           <a:p>
             <a:fld id="{9A750ABA-DFFA-4B13-BB77-624D9164A38B}" type="datetimeFigureOut">
               <a:rPr lang="en-US" dirty="0"/>
-              <a:t>10/21/2024</a:t>
+              <a:t>10/28/2024</a:t>
             </a:fld>
             <a:endParaRPr lang="en-US"/>
           </a:p>
@@ -2827,7 +2826,7 @@
           <a:p>
             <a:fld id="{3220A08F-2B1D-4498-A043-7C299B1C2561}" type="datetimeFigureOut">
               <a:rPr lang="en-US" dirty="0"/>
-              <a:t>10/21/2024</a:t>
+              <a:t>10/28/2024</a:t>
             </a:fld>
             <a:endParaRPr lang="en-US"/>
           </a:p>
@@ -3070,7 +3069,7 @@
           <a:p>
             <a:fld id="{567E9B64-DC09-41C8-9DE3-DA74AF8D2F97}" type="datetimeFigureOut">
               <a:rPr lang="en-US" dirty="0"/>
-              <a:t>10/21/2024</a:t>
+              <a:t>10/28/2024</a:t>
             </a:fld>
             <a:endParaRPr lang="en-US"/>
           </a:p>
@@ -3685,44 +3684,128 @@
               <a:buNone/>
             </a:pPr>
             <a:r>
-              <a:rPr lang="en-US" sz="2400">
+              <a:rPr lang="en-US" sz="2400" dirty="0">
                 <a:effectLst/>
                 <a:latin typeface="Garamond"/>
                 <a:ea typeface="Garamond" panose="02020404030301010803" pitchFamily="18" charset="0"/>
                 <a:cs typeface="Garamond" panose="02020404030301010803" pitchFamily="18" charset="0"/>
               </a:rPr>
-              <a:t>The project is a database for a mining company involving tables for their services (prices, duration, etc.), mining locations (including statistics about types of minerals and density), and past mining operations. Our tables will include region, nation, customers, sales, services, </a:t>
-            </a:r>
-            <a:r>
-              <a:rPr lang="en-US" sz="2400">
+              <a:t>The project is a database for a mining company </a:t>
+            </a:r>
+            <a:r>
+              <a:rPr lang="en-US" sz="2400" dirty="0">
                 <a:latin typeface="Garamond"/>
                 <a:ea typeface="Garamond" panose="02020404030301010803" pitchFamily="18" charset="0"/>
                 <a:cs typeface="Garamond" panose="02020404030301010803" pitchFamily="18" charset="0"/>
               </a:rPr>
-              <a:t>and mining</a:t>
-            </a:r>
-            <a:r>
-              <a:rPr lang="en-US" sz="2400">
-                <a:effectLst/>
+              <a:t>which is designed for transactions between the company and its customers. The customers will be able to view the materials at locations and commission services at locations. The company will additionally hold information about sales and equipment used in services. Our</a:t>
+            </a:r>
+            <a:r>
+              <a:rPr lang="en-US" sz="2400" dirty="0">
+                <a:latin typeface="Neue Haas Grotesk Text Pro"/>
+                <a:ea typeface="Garamond" panose="02020404030301010803" pitchFamily="18" charset="0"/>
+                <a:cs typeface="Garamond" panose="02020404030301010803" pitchFamily="18" charset="0"/>
+              </a:rPr>
+              <a:t> </a:t>
+            </a:r>
+            <a:r>
+              <a:rPr lang="en-US" sz="2400" dirty="0">
                 <a:latin typeface="Garamond"/>
                 <a:ea typeface="Garamond" panose="02020404030301010803" pitchFamily="18" charset="0"/>
                 <a:cs typeface="Garamond" panose="02020404030301010803" pitchFamily="18" charset="0"/>
               </a:rPr>
+              <a:t>tables</a:t>
+            </a:r>
+            <a:r>
+              <a:rPr lang="en-US" sz="2400" dirty="0">
+                <a:effectLst/>
+                <a:latin typeface="Garamond"/>
+                <a:ea typeface="+mn-lt"/>
+                <a:cs typeface="+mn-lt"/>
+              </a:rPr>
+              <a:t> will </a:t>
+            </a:r>
+            <a:r>
+              <a:rPr lang="en-US" sz="2400" dirty="0">
+                <a:latin typeface="Garamond"/>
+                <a:ea typeface="+mn-lt"/>
+                <a:cs typeface="+mn-lt"/>
+              </a:rPr>
+              <a:t>include customers</a:t>
+            </a:r>
+            <a:r>
+              <a:rPr lang="en-US" sz="2400" dirty="0">
+                <a:effectLst/>
+                <a:latin typeface="Garamond"/>
+                <a:ea typeface="+mn-lt"/>
+                <a:cs typeface="+mn-lt"/>
+              </a:rPr>
+              <a:t>, sales, </a:t>
+            </a:r>
+            <a:r>
+              <a:rPr lang="en-US" sz="2400" dirty="0">
+                <a:latin typeface="Garamond"/>
+                <a:ea typeface="+mn-lt"/>
+                <a:cs typeface="+mn-lt"/>
+              </a:rPr>
+              <a:t>equipment, </a:t>
+            </a:r>
+            <a:r>
+              <a:rPr lang="en-US" sz="2400" dirty="0">
+                <a:effectLst/>
+                <a:latin typeface="Garamond"/>
+                <a:ea typeface="+mn-lt"/>
+                <a:cs typeface="+mn-lt"/>
+              </a:rPr>
+              <a:t>services,</a:t>
+            </a:r>
+            <a:r>
+              <a:rPr lang="en-US" sz="2400" dirty="0">
+                <a:latin typeface="Garamond"/>
+                <a:ea typeface="+mn-lt"/>
+                <a:cs typeface="+mn-lt"/>
+              </a:rPr>
+              <a:t> materials,</a:t>
+            </a:r>
+            <a:r>
+              <a:rPr lang="en-US" sz="2400" dirty="0">
+                <a:effectLst/>
+                <a:latin typeface="Garamond"/>
+                <a:ea typeface="+mn-lt"/>
+                <a:cs typeface="+mn-lt"/>
+              </a:rPr>
+              <a:t> </a:t>
+            </a:r>
+            <a:r>
+              <a:rPr lang="en-US" sz="2400" dirty="0">
+                <a:latin typeface="Garamond"/>
+                <a:ea typeface="+mn-lt"/>
+                <a:cs typeface="+mn-lt"/>
+              </a:rPr>
+              <a:t>and mining</a:t>
+            </a:r>
+            <a:r>
+              <a:rPr lang="en-US" sz="2400" dirty="0">
+                <a:effectLst/>
+                <a:latin typeface="Garamond"/>
+                <a:ea typeface="+mn-lt"/>
+                <a:cs typeface="+mn-lt"/>
+              </a:rPr>
               <a:t> locations</a:t>
             </a:r>
             <a:r>
-              <a:rPr lang="en-US" sz="2400">
+              <a:rPr lang="en-US" sz="2400" dirty="0">
                 <a:latin typeface="Garamond"/>
-                <a:ea typeface="Garamond" panose="02020404030301010803" pitchFamily="18" charset="0"/>
-                <a:cs typeface="Garamond" panose="02020404030301010803" pitchFamily="18" charset="0"/>
+                <a:ea typeface="+mn-lt"/>
+                <a:cs typeface="+mn-lt"/>
               </a:rPr>
               <a:t>.</a:t>
             </a:r>
-            <a:endParaRPr lang="en-US" sz="2400">
+            <a:endParaRPr lang="en-US" sz="2400" dirty="0">
               <a:effectLst/>
               <a:latin typeface="Garamond"/>
-              <a:ea typeface="Garamond" panose="02020404030301010803" pitchFamily="18" charset="0"/>
-              <a:cs typeface="Garamond" panose="02020404030301010803" pitchFamily="18" charset="0"/>
+              <a:ea typeface="+mn-lt"/>
+              <a:cs typeface="+mn-lt"/>
             </a:endParaRPr>
           </a:p>
         </p:txBody>
@@ -3929,10 +4012,10 @@
       </p:sp>
       <p:pic>
         <p:nvPicPr>
-          <p:cNvPr id="5" name="Picture 4">
-            <a:extLst>
-              <a:ext uri="{FF2B5EF4-FFF2-40B4-BE49-F238E27FC236}">
-                <a16:creationId xmlns:a16="http://schemas.microsoft.com/office/drawing/2014/main" id="{311E3105-08B0-A644-97EC-693AA1A9F40E}"/>
+          <p:cNvPr id="4" name="Picture 3" descr="A diagram of services&#10;&#10;Description automatically generated">
+            <a:extLst>
+              <a:ext uri="{FF2B5EF4-FFF2-40B4-BE49-F238E27FC236}">
+                <a16:creationId xmlns:a16="http://schemas.microsoft.com/office/drawing/2014/main" id="{0B5E3D32-3089-B067-C3FF-CAA1DC9BC2F2}"/>
               </a:ext>
             </a:extLst>
           </p:cNvPr>
@@ -3949,8 +4032,8 @@
         </p:blipFill>
         <p:spPr>
           <a:xfrm>
-            <a:off x="1788686" y="1677325"/>
-            <a:ext cx="8614628" cy="4744070"/>
+            <a:off x="1466127" y="1349738"/>
+            <a:ext cx="9047545" cy="4804778"/>
           </a:xfrm>
           <a:prstGeom prst="rect">
             <a:avLst/>
@@ -4022,10 +4105,10 @@
       </p:sp>
       <p:pic>
         <p:nvPicPr>
-          <p:cNvPr id="5" name="Content Placeholder 4" descr="A diagram of a company&#10;&#10;Description automatically generated">
-            <a:extLst>
-              <a:ext uri="{FF2B5EF4-FFF2-40B4-BE49-F238E27FC236}">
-                <a16:creationId xmlns:a16="http://schemas.microsoft.com/office/drawing/2014/main" id="{481B8176-8FAB-57A9-DCB4-87D4F082BCD8}"/>
+          <p:cNvPr id="12" name="Content Placeholder 11" descr="A diagram of a customer service&#10;&#10;Description automatically generated">
+            <a:extLst>
+              <a:ext uri="{FF2B5EF4-FFF2-40B4-BE49-F238E27FC236}">
+                <a16:creationId xmlns:a16="http://schemas.microsoft.com/office/drawing/2014/main" id="{447D87F1-83CB-86DD-1A94-ECB198AB3A57}"/>
               </a:ext>
             </a:extLst>
           </p:cNvPr>
@@ -4044,8 +4127,8 @@
         </p:blipFill>
         <p:spPr>
           <a:xfrm>
-            <a:off x="2767212" y="1707771"/>
-            <a:ext cx="6657576" cy="4541452"/>
+            <a:off x="2675247" y="1496553"/>
+            <a:ext cx="6666146" cy="4873320"/>
           </a:xfrm>
         </p:spPr>
       </p:pic>
